--- a/Lambda Serverless.pptx
+++ b/Lambda Serverless.pptx
@@ -16,8 +16,8 @@
     <p:sldId id="602" r:id="rId7"/>
     <p:sldId id="603" r:id="rId8"/>
     <p:sldId id="604" r:id="rId9"/>
-    <p:sldId id="605" r:id="rId10"/>
-    <p:sldId id="619" r:id="rId11"/>
+    <p:sldId id="619" r:id="rId10"/>
+    <p:sldId id="605" r:id="rId11"/>
     <p:sldId id="606" r:id="rId12"/>
     <p:sldId id="607" r:id="rId13"/>
     <p:sldId id="608" r:id="rId14"/>
@@ -5134,11 +5134,7 @@
           <a:p>
             <a:r>
               <a:rPr lang="en-US" dirty="0" smtClean="0"/>
-              <a:t>AWS </a:t>
-            </a:r>
-            <a:r>
-              <a:rPr lang="en-US" dirty="0" smtClean="0"/>
-              <a:t>Lambda with </a:t>
+              <a:t>AWS Lambda with </a:t>
             </a:r>
             <a:r>
               <a:rPr lang="en-US" dirty="0" err="1" smtClean="0"/>
@@ -5299,8 +5295,8 @@
           </a:p>
         </p:txBody>
       </p:sp>
-      <mc:AlternateContent xmlns:mc="http://schemas.openxmlformats.org/markup-compatibility/2006">
-        <mc:Choice xmlns:we="http://schemas.microsoft.com/office/webextensions/webextension/2010/11" xmlns:pca="http://schemas.microsoft.com/office/powerpoint/2013/contentapp" Requires="we pca">
+      <mc:AlternateContent xmlns:mc="http://schemas.openxmlformats.org/markup-compatibility/2006" xmlns:we="http://schemas.microsoft.com/office/webextensions/webextension/2010/11" xmlns:pca="http://schemas.microsoft.com/office/powerpoint/2013/contentapp">
+        <mc:Choice Requires="we pca">
           <p:graphicFrame>
             <p:nvGraphicFramePr>
               <p:cNvPr id="4" name="Add-in 3" title="Code Presenter Pro"/>
@@ -5326,7 +5322,7 @@
             </a:graphic>
           </p:graphicFrame>
         </mc:Choice>
-        <mc:Fallback>
+        <mc:Fallback xmlns="">
           <p:pic>
             <p:nvPicPr>
               <p:cNvPr id="4" name="Add-in 3" title="Code Presenter Pro"/>
@@ -5363,6 +5359,13 @@
   <p:clrMapOvr>
     <a:masterClrMapping/>
   </p:clrMapOvr>
+  <p:timing>
+    <p:tnLst>
+      <p:par>
+        <p:cTn id="1" dur="indefinite" restart="never" nodeType="tmRoot"/>
+      </p:par>
+    </p:tnLst>
+  </p:timing>
 </p:sld>
 </file>
 
@@ -5660,25 +5663,7 @@
                 <a:latin typeface="Arial" panose="020B0604020202020204" pitchFamily="34" charset="0"/>
                 <a:cs typeface="Arial" panose="020B0604020202020204" pitchFamily="34" charset="0"/>
               </a:rPr>
-              <a:t> </a:t>
-            </a:r>
-            <a:r>
-              <a:rPr lang="en-US" sz="1600" dirty="0" smtClean="0">
-                <a:gradFill>
-                  <a:gsLst>
-                    <a:gs pos="0">
-                      <a:schemeClr val="tx1"/>
-                    </a:gs>
-                    <a:gs pos="98000">
-                      <a:schemeClr val="tx1"/>
-                    </a:gs>
-                  </a:gsLst>
-                  <a:lin ang="5400000" scaled="0"/>
-                </a:gradFill>
-                <a:latin typeface="Arial" panose="020B0604020202020204" pitchFamily="34" charset="0"/>
-                <a:cs typeface="Arial" panose="020B0604020202020204" pitchFamily="34" charset="0"/>
-              </a:rPr>
-              <a:t>offline</a:t>
+              <a:t> offline</a:t>
             </a:r>
           </a:p>
           <a:p>
@@ -5766,21 +5751,6 @@
               </a:rPr>
               <a:t>start</a:t>
             </a:r>
-            <a:endParaRPr lang="en-US" sz="1600" dirty="0" smtClean="0">
-              <a:gradFill>
-                <a:gsLst>
-                  <a:gs pos="0">
-                    <a:schemeClr val="tx1"/>
-                  </a:gs>
-                  <a:gs pos="98000">
-                    <a:schemeClr val="tx1"/>
-                  </a:gs>
-                </a:gsLst>
-                <a:lin ang="5400000" scaled="0"/>
-              </a:gradFill>
-              <a:latin typeface="Arial" panose="020B0604020202020204" pitchFamily="34" charset="0"/>
-              <a:cs typeface="Arial" panose="020B0604020202020204" pitchFamily="34" charset="0"/>
-            </a:endParaRPr>
           </a:p>
           <a:p>
             <a:pPr>
@@ -5877,6 +5847,13 @@
   <p:clrMapOvr>
     <a:masterClrMapping/>
   </p:clrMapOvr>
+  <p:timing>
+    <p:tnLst>
+      <p:par>
+        <p:cTn id="1" dur="indefinite" restart="never" nodeType="tmRoot"/>
+      </p:par>
+    </p:tnLst>
+  </p:timing>
 </p:sld>
 </file>
 
@@ -6102,21 +6079,6 @@
               </a:rPr>
               <a:t>/heartbeat</a:t>
             </a:r>
-            <a:endParaRPr lang="en-US" sz="1600" dirty="0" smtClean="0">
-              <a:gradFill>
-                <a:gsLst>
-                  <a:gs pos="0">
-                    <a:schemeClr val="tx1"/>
-                  </a:gs>
-                  <a:gs pos="98000">
-                    <a:schemeClr val="tx1"/>
-                  </a:gs>
-                </a:gsLst>
-                <a:lin ang="5400000" scaled="0"/>
-              </a:gradFill>
-              <a:latin typeface="Arial" panose="020B0604020202020204" pitchFamily="34" charset="0"/>
-              <a:cs typeface="Arial" panose="020B0604020202020204" pitchFamily="34" charset="0"/>
-            </a:endParaRPr>
           </a:p>
         </p:txBody>
       </p:sp>
@@ -6130,6 +6092,13 @@
   <p:clrMapOvr>
     <a:masterClrMapping/>
   </p:clrMapOvr>
+  <p:timing>
+    <p:tnLst>
+      <p:par>
+        <p:cTn id="1" dur="indefinite" restart="never" nodeType="tmRoot"/>
+      </p:par>
+    </p:tnLst>
+  </p:timing>
 </p:sld>
 </file>
 
@@ -6491,21 +6460,6 @@
               </a:rPr>
               <a:t>Call lambda</a:t>
             </a:r>
-            <a:endParaRPr lang="en-US" sz="1600" dirty="0" smtClean="0">
-              <a:gradFill>
-                <a:gsLst>
-                  <a:gs pos="0">
-                    <a:schemeClr val="tx1"/>
-                  </a:gs>
-                  <a:gs pos="98000">
-                    <a:schemeClr val="tx1"/>
-                  </a:gs>
-                </a:gsLst>
-                <a:lin ang="5400000" scaled="0"/>
-              </a:gradFill>
-              <a:latin typeface="Arial" panose="020B0604020202020204" pitchFamily="34" charset="0"/>
-              <a:cs typeface="Arial" panose="020B0604020202020204" pitchFamily="34" charset="0"/>
-            </a:endParaRPr>
           </a:p>
         </p:txBody>
       </p:sp>
@@ -6579,6 +6533,13 @@
   <p:clrMapOvr>
     <a:masterClrMapping/>
   </p:clrMapOvr>
+  <p:timing>
+    <p:tnLst>
+      <p:par>
+        <p:cTn id="1" dur="indefinite" restart="never" nodeType="tmRoot"/>
+      </p:par>
+    </p:tnLst>
+  </p:timing>
 </p:sld>
 </file>
 
@@ -6655,7 +6616,7 @@
         <p:spPr>
           <a:xfrm>
             <a:off x="231775" y="880946"/>
-            <a:ext cx="8778410" cy="1440394"/>
+            <a:ext cx="8778410" cy="1815882"/>
           </a:xfrm>
           <a:prstGeom prst="rect">
             <a:avLst/>
@@ -6681,7 +6642,7 @@
               <a:buSzPct val="110000"/>
             </a:pPr>
             <a:r>
-              <a:rPr lang="en-US" sz="1600" b="1" smtClean="0">
+              <a:rPr lang="en-US" sz="1600" b="1" dirty="0" smtClean="0">
                 <a:gradFill>
                   <a:gsLst>
                     <a:gs pos="0">
@@ -6696,25 +6657,7 @@
                 <a:latin typeface="Arial" panose="020B0604020202020204" pitchFamily="34" charset="0"/>
                 <a:cs typeface="Arial" panose="020B0604020202020204" pitchFamily="34" charset="0"/>
               </a:rPr>
-              <a:t>Test </a:t>
-            </a:r>
-            <a:r>
-              <a:rPr lang="en-US" sz="1600" b="1" dirty="0" smtClean="0">
-                <a:gradFill>
-                  <a:gsLst>
-                    <a:gs pos="0">
-                      <a:schemeClr val="tx1"/>
-                    </a:gs>
-                    <a:gs pos="98000">
-                      <a:schemeClr val="tx1"/>
-                    </a:gs>
-                  </a:gsLst>
-                  <a:lin ang="5400000" scaled="0"/>
-                </a:gradFill>
-                <a:latin typeface="Arial" panose="020B0604020202020204" pitchFamily="34" charset="0"/>
-                <a:cs typeface="Arial" panose="020B0604020202020204" pitchFamily="34" charset="0"/>
-              </a:rPr>
-              <a:t>Driven Development:</a:t>
+              <a:t>Test Driven Development:</a:t>
             </a:r>
           </a:p>
           <a:p>
@@ -6816,8 +6759,111 @@
                 <a:latin typeface="Arial" panose="020B0604020202020204" pitchFamily="34" charset="0"/>
                 <a:cs typeface="Arial" panose="020B0604020202020204" pitchFamily="34" charset="0"/>
               </a:rPr>
-              <a:t>Fix broken tests</a:t>
-            </a:r>
+              <a:t>Fix broken </a:t>
+            </a:r>
+            <a:r>
+              <a:rPr lang="en-US" sz="1600" dirty="0" smtClean="0">
+                <a:gradFill>
+                  <a:gsLst>
+                    <a:gs pos="0">
+                      <a:schemeClr val="tx1"/>
+                    </a:gs>
+                    <a:gs pos="98000">
+                      <a:schemeClr val="tx1"/>
+                    </a:gs>
+                  </a:gsLst>
+                  <a:lin ang="5400000" scaled="0"/>
+                </a:gradFill>
+                <a:latin typeface="Arial" panose="020B0604020202020204" pitchFamily="34" charset="0"/>
+                <a:cs typeface="Arial" panose="020B0604020202020204" pitchFamily="34" charset="0"/>
+              </a:rPr>
+              <a:t>tests</a:t>
+            </a:r>
+          </a:p>
+          <a:p>
+            <a:pPr marL="285750" indent="-285750">
+              <a:lnSpc>
+                <a:spcPct val="90000"/>
+              </a:lnSpc>
+              <a:spcBef>
+                <a:spcPts val="1200"/>
+              </a:spcBef>
+              <a:buClr>
+                <a:schemeClr val="tx1"/>
+              </a:buClr>
+              <a:buSzPct val="110000"/>
+              <a:buFont typeface="Arial" charset="0"/>
+              <a:buChar char="•"/>
+            </a:pPr>
+            <a:r>
+              <a:rPr lang="en-US" sz="1600" dirty="0" smtClean="0">
+                <a:gradFill>
+                  <a:gsLst>
+                    <a:gs pos="0">
+                      <a:schemeClr val="tx1"/>
+                    </a:gs>
+                    <a:gs pos="98000">
+                      <a:schemeClr val="tx1"/>
+                    </a:gs>
+                  </a:gsLst>
+                  <a:lin ang="5400000" scaled="0"/>
+                </a:gradFill>
+                <a:latin typeface="Arial" panose="020B0604020202020204" pitchFamily="34" charset="0"/>
+                <a:cs typeface="Arial" panose="020B0604020202020204" pitchFamily="34" charset="0"/>
+              </a:rPr>
+              <a:t>Repeat (Green, Red, Green, </a:t>
+            </a:r>
+            <a:r>
+              <a:rPr lang="en-US" sz="1600" dirty="0" err="1" smtClean="0">
+                <a:gradFill>
+                  <a:gsLst>
+                    <a:gs pos="0">
+                      <a:schemeClr val="tx1"/>
+                    </a:gs>
+                    <a:gs pos="98000">
+                      <a:schemeClr val="tx1"/>
+                    </a:gs>
+                  </a:gsLst>
+                  <a:lin ang="5400000" scaled="0"/>
+                </a:gradFill>
+                <a:latin typeface="Arial" panose="020B0604020202020204" pitchFamily="34" charset="0"/>
+                <a:cs typeface="Arial" panose="020B0604020202020204" pitchFamily="34" charset="0"/>
+              </a:rPr>
+              <a:t>etc</a:t>
+            </a:r>
+            <a:r>
+              <a:rPr lang="en-US" sz="1600" dirty="0" smtClean="0">
+                <a:gradFill>
+                  <a:gsLst>
+                    <a:gs pos="0">
+                      <a:schemeClr val="tx1"/>
+                    </a:gs>
+                    <a:gs pos="98000">
+                      <a:schemeClr val="tx1"/>
+                    </a:gs>
+                  </a:gsLst>
+                  <a:lin ang="5400000" scaled="0"/>
+                </a:gradFill>
+                <a:latin typeface="Arial" panose="020B0604020202020204" pitchFamily="34" charset="0"/>
+                <a:cs typeface="Arial" panose="020B0604020202020204" pitchFamily="34" charset="0"/>
+              </a:rPr>
+              <a:t>)</a:t>
+            </a:r>
+            <a:endParaRPr lang="en-US" sz="1600" dirty="0" smtClean="0">
+              <a:gradFill>
+                <a:gsLst>
+                  <a:gs pos="0">
+                    <a:schemeClr val="tx1"/>
+                  </a:gs>
+                  <a:gs pos="98000">
+                    <a:schemeClr val="tx1"/>
+                  </a:gs>
+                </a:gsLst>
+                <a:lin ang="5400000" scaled="0"/>
+              </a:gradFill>
+              <a:latin typeface="Arial" panose="020B0604020202020204" pitchFamily="34" charset="0"/>
+              <a:cs typeface="Arial" panose="020B0604020202020204" pitchFamily="34" charset="0"/>
+            </a:endParaRPr>
           </a:p>
         </p:txBody>
       </p:sp>
@@ -6975,21 +7021,6 @@
               </a:rPr>
               <a:t>A living documentation of how the code should behave</a:t>
             </a:r>
-            <a:endParaRPr lang="en-US" sz="1600" dirty="0" smtClean="0">
-              <a:gradFill>
-                <a:gsLst>
-                  <a:gs pos="0">
-                    <a:schemeClr val="tx1"/>
-                  </a:gs>
-                  <a:gs pos="98000">
-                    <a:schemeClr val="tx1"/>
-                  </a:gs>
-                </a:gsLst>
-                <a:lin ang="5400000" scaled="0"/>
-              </a:gradFill>
-              <a:latin typeface="Arial" panose="020B0604020202020204" pitchFamily="34" charset="0"/>
-              <a:cs typeface="Arial" panose="020B0604020202020204" pitchFamily="34" charset="0"/>
-            </a:endParaRPr>
           </a:p>
         </p:txBody>
       </p:sp>
@@ -7003,6 +7034,13 @@
   <p:clrMapOvr>
     <a:masterClrMapping/>
   </p:clrMapOvr>
+  <p:timing>
+    <p:tnLst>
+      <p:par>
+        <p:cTn id="1" dur="indefinite" restart="never" nodeType="tmRoot"/>
+      </p:par>
+    </p:tnLst>
+  </p:timing>
 </p:sld>
 </file>
 
@@ -7108,7 +7146,7 @@
               <a:buSzPct val="110000"/>
             </a:pPr>
             <a:r>
-              <a:rPr lang="en-US">
+              <a:rPr lang="en-US" dirty="0">
                 <a:gradFill>
                   <a:gsLst>
                     <a:gs pos="0">
@@ -7123,23 +7161,44 @@
                 <a:latin typeface="Arial" panose="020B0604020202020204" pitchFamily="34" charset="0"/>
                 <a:cs typeface="Arial" panose="020B0604020202020204" pitchFamily="34" charset="0"/>
               </a:rPr>
-              <a:t>Mocha is a testing framework and Chai one of the many accretion libraries.</a:t>
-            </a:r>
-            <a:endParaRPr lang="en-US" dirty="0">
-              <a:gradFill>
-                <a:gsLst>
-                  <a:gs pos="0">
-                    <a:schemeClr val="tx1"/>
-                  </a:gs>
-                  <a:gs pos="98000">
-                    <a:schemeClr val="tx1"/>
-                  </a:gs>
-                </a:gsLst>
-                <a:lin ang="5400000" scaled="0"/>
-              </a:gradFill>
-              <a:latin typeface="Arial" panose="020B0604020202020204" pitchFamily="34" charset="0"/>
-              <a:cs typeface="Arial" panose="020B0604020202020204" pitchFamily="34" charset="0"/>
-            </a:endParaRPr>
+              <a:t>Mocha is a testing framework and Chai one of the many </a:t>
+            </a:r>
+            <a:r>
+              <a:rPr lang="en-US" dirty="0" smtClean="0">
+                <a:gradFill>
+                  <a:gsLst>
+                    <a:gs pos="0">
+                      <a:schemeClr val="tx1"/>
+                    </a:gs>
+                    <a:gs pos="98000">
+                      <a:schemeClr val="tx1"/>
+                    </a:gs>
+                  </a:gsLst>
+                  <a:lin ang="5400000" scaled="0"/>
+                </a:gradFill>
+                <a:latin typeface="Arial" panose="020B0604020202020204" pitchFamily="34" charset="0"/>
+                <a:cs typeface="Arial" panose="020B0604020202020204" pitchFamily="34" charset="0"/>
+              </a:rPr>
+              <a:t>assertion libraries</a:t>
+            </a:r>
+            <a:r>
+              <a:rPr lang="en-US" dirty="0">
+                <a:gradFill>
+                  <a:gsLst>
+                    <a:gs pos="0">
+                      <a:schemeClr val="tx1"/>
+                    </a:gs>
+                    <a:gs pos="98000">
+                      <a:schemeClr val="tx1"/>
+                    </a:gs>
+                  </a:gsLst>
+                  <a:lin ang="5400000" scaled="0"/>
+                </a:gradFill>
+                <a:latin typeface="Arial" panose="020B0604020202020204" pitchFamily="34" charset="0"/>
+                <a:cs typeface="Arial" panose="020B0604020202020204" pitchFamily="34" charset="0"/>
+              </a:rPr>
+              <a:t>.</a:t>
+            </a:r>
           </a:p>
         </p:txBody>
       </p:sp>
@@ -7154,13 +7213,13 @@
               <p:nvPr>
                 <p:extLst>
                   <p:ext uri="{D42A27DB-BD31-4B8C-83A1-F6EECF244321}">
-                    <p14:modId xmlns:p14="http://schemas.microsoft.com/office/powerpoint/2010/main" val="176333638"/>
+                    <p14:modId xmlns:p14="http://schemas.microsoft.com/office/powerpoint/2010/main" val="1345084719"/>
                   </p:ext>
                 </p:extLst>
               </p:nvPr>
             </p:nvGraphicFramePr>
             <p:xfrm>
-              <a:off x="223024" y="1059365"/>
+              <a:off x="223024" y="1170875"/>
               <a:ext cx="7672039" cy="3813717"/>
             </p:xfrm>
             <a:graphic>
@@ -7187,7 +7246,7 @@
             </p:blipFill>
             <p:spPr>
               <a:xfrm>
-                <a:off x="223024" y="1059365"/>
+                <a:off x="223024" y="1170875"/>
                 <a:ext cx="7672039" cy="3813717"/>
               </a:xfrm>
               <a:prstGeom prst="rect">
@@ -7207,6 +7266,13 @@
   <p:clrMapOvr>
     <a:masterClrMapping/>
   </p:clrMapOvr>
+  <p:timing>
+    <p:tnLst>
+      <p:par>
+        <p:cTn id="1" dur="indefinite" restart="never" nodeType="tmRoot"/>
+      </p:par>
+    </p:tnLst>
+  </p:timing>
 </p:sld>
 </file>
 
@@ -7409,21 +7475,6 @@
               </a:rPr>
               <a:t>&lt;path&gt;</a:t>
             </a:r>
-            <a:endParaRPr lang="en-US" sz="1600" dirty="0" smtClean="0">
-              <a:gradFill>
-                <a:gsLst>
-                  <a:gs pos="0">
-                    <a:schemeClr val="tx1"/>
-                  </a:gs>
-                  <a:gs pos="98000">
-                    <a:schemeClr val="tx1"/>
-                  </a:gs>
-                </a:gsLst>
-                <a:lin ang="5400000" scaled="0"/>
-              </a:gradFill>
-              <a:latin typeface="Arial" panose="020B0604020202020204" pitchFamily="34" charset="0"/>
-              <a:cs typeface="Arial" panose="020B0604020202020204" pitchFamily="34" charset="0"/>
-            </a:endParaRPr>
           </a:p>
         </p:txBody>
       </p:sp>
@@ -7467,6 +7518,13 @@
   <p:clrMapOvr>
     <a:masterClrMapping/>
   </p:clrMapOvr>
+  <p:timing>
+    <p:tnLst>
+      <p:par>
+        <p:cTn id="1" dur="indefinite" restart="never" nodeType="tmRoot"/>
+      </p:par>
+    </p:tnLst>
+  </p:timing>
 </p:sld>
 </file>
 
@@ -7742,21 +7800,6 @@
               </a:rPr>
               <a:t>What should be covered by tests? As much as you can. Focus on the core business logic.</a:t>
             </a:r>
-            <a:endParaRPr lang="en-US" sz="1600" dirty="0" smtClean="0">
-              <a:gradFill>
-                <a:gsLst>
-                  <a:gs pos="0">
-                    <a:schemeClr val="tx1"/>
-                  </a:gs>
-                  <a:gs pos="98000">
-                    <a:schemeClr val="tx1"/>
-                  </a:gs>
-                </a:gsLst>
-                <a:lin ang="5400000" scaled="0"/>
-              </a:gradFill>
-              <a:latin typeface="Arial" panose="020B0604020202020204" pitchFamily="34" charset="0"/>
-              <a:cs typeface="Arial" panose="020B0604020202020204" pitchFamily="34" charset="0"/>
-            </a:endParaRPr>
           </a:p>
         </p:txBody>
       </p:sp>
@@ -7800,6 +7843,13 @@
   <p:clrMapOvr>
     <a:masterClrMapping/>
   </p:clrMapOvr>
+  <p:timing>
+    <p:tnLst>
+      <p:par>
+        <p:cTn id="1" dur="indefinite" restart="never" nodeType="tmRoot"/>
+      </p:par>
+    </p:tnLst>
+  </p:timing>
 </p:sld>
 </file>
 
@@ -7907,6 +7957,13 @@
   <p:clrMapOvr>
     <a:masterClrMapping/>
   </p:clrMapOvr>
+  <p:timing>
+    <p:tnLst>
+      <p:par>
+        <p:cTn id="1" dur="indefinite" restart="never" nodeType="tmRoot"/>
+      </p:par>
+    </p:tnLst>
+  </p:timing>
 </p:sld>
 </file>
 
@@ -8018,6 +8075,13 @@
   <p:clrMapOvr>
     <a:masterClrMapping/>
   </p:clrMapOvr>
+  <p:timing>
+    <p:tnLst>
+      <p:par>
+        <p:cTn id="1" dur="indefinite" restart="never" nodeType="tmRoot"/>
+      </p:par>
+    </p:tnLst>
+  </p:timing>
 </p:sld>
 </file>
 
@@ -8306,6 +8370,13 @@
   <p:clrMapOvr>
     <a:masterClrMapping/>
   </p:clrMapOvr>
+  <p:timing>
+    <p:tnLst>
+      <p:par>
+        <p:cTn id="1" dur="indefinite" restart="never" nodeType="tmRoot"/>
+      </p:par>
+    </p:tnLst>
+  </p:timing>
 </p:sld>
 </file>
 
@@ -8601,6 +8672,13 @@
   <p:clrMapOvr>
     <a:masterClrMapping/>
   </p:clrMapOvr>
+  <p:timing>
+    <p:tnLst>
+      <p:par>
+        <p:cTn id="1" dur="indefinite" restart="never" nodeType="tmRoot"/>
+      </p:par>
+    </p:tnLst>
+  </p:timing>
 </p:sld>
 </file>
 
@@ -8874,6 +8952,13 @@
   <p:clrMapOvr>
     <a:masterClrMapping/>
   </p:clrMapOvr>
+  <p:timing>
+    <p:tnLst>
+      <p:par>
+        <p:cTn id="1" dur="indefinite" restart="never" nodeType="tmRoot"/>
+      </p:par>
+    </p:tnLst>
+  </p:timing>
 </p:sld>
 </file>
 
@@ -9215,26 +9300,11 @@
               </a:rPr>
               <a:t> run &lt;command&gt;</a:t>
             </a:r>
-            <a:endParaRPr lang="en-US" sz="1600" dirty="0" smtClean="0">
-              <a:gradFill>
-                <a:gsLst>
-                  <a:gs pos="0">
-                    <a:schemeClr val="tx1"/>
-                  </a:gs>
-                  <a:gs pos="98000">
-                    <a:schemeClr val="tx1"/>
-                  </a:gs>
-                </a:gsLst>
-                <a:lin ang="5400000" scaled="0"/>
-              </a:gradFill>
-              <a:latin typeface="Arial" panose="020B0604020202020204" pitchFamily="34" charset="0"/>
-              <a:cs typeface="Arial" panose="020B0604020202020204" pitchFamily="34" charset="0"/>
-            </a:endParaRPr>
           </a:p>
         </p:txBody>
       </p:sp>
-      <mc:AlternateContent xmlns:mc="http://schemas.openxmlformats.org/markup-compatibility/2006">
-        <mc:Choice xmlns:we="http://schemas.microsoft.com/office/webextensions/webextension/2010/11" xmlns:pca="http://schemas.microsoft.com/office/powerpoint/2013/contentapp" Requires="we pca">
+      <mc:AlternateContent xmlns:mc="http://schemas.openxmlformats.org/markup-compatibility/2006" xmlns:we="http://schemas.microsoft.com/office/webextensions/webextension/2010/11" xmlns:pca="http://schemas.microsoft.com/office/powerpoint/2013/contentapp">
+        <mc:Choice Requires="we pca">
           <p:graphicFrame>
             <p:nvGraphicFramePr>
               <p:cNvPr id="5" name="Add-in 4" title="Code Presenter Pro"/>
@@ -9260,7 +9330,7 @@
             </a:graphic>
           </p:graphicFrame>
         </mc:Choice>
-        <mc:Fallback>
+        <mc:Fallback xmlns="">
           <p:pic>
             <p:nvPicPr>
               <p:cNvPr id="5" name="Add-in 4" title="Code Presenter Pro"/>
@@ -9297,6 +9367,13 @@
   <p:clrMapOvr>
     <a:masterClrMapping/>
   </p:clrMapOvr>
+  <p:timing>
+    <p:tnLst>
+      <p:par>
+        <p:cTn id="1" dur="indefinite" restart="never" nodeType="tmRoot"/>
+      </p:par>
+    </p:tnLst>
+  </p:timing>
 </p:sld>
 </file>
 
@@ -9351,19 +9428,14 @@
             <p:ph type="title"/>
           </p:nvPr>
         </p:nvSpPr>
-        <p:spPr>
-          <a:xfrm>
-            <a:off x="231775" y="210121"/>
-            <a:ext cx="8685455" cy="507831"/>
-          </a:xfrm>
-        </p:spPr>
+        <p:spPr/>
         <p:txBody>
           <a:bodyPr/>
           <a:lstStyle/>
           <a:p>
             <a:r>
-              <a:rPr lang="en-US" dirty="0" err="1" smtClean="0"/>
-              <a:t>Nodejs</a:t>
+              <a:rPr lang="en-US" dirty="0" smtClean="0"/>
+              <a:t>JavaScript</a:t>
             </a:r>
             <a:endParaRPr lang="en-US" dirty="0"/>
           </a:p>
@@ -9371,14 +9443,14 @@
       </p:sp>
       <p:sp>
         <p:nvSpPr>
-          <p:cNvPr id="5" name="TextBox 4"/>
+          <p:cNvPr id="4" name="TextBox 3"/>
           <p:cNvSpPr txBox="1"/>
           <p:nvPr/>
         </p:nvSpPr>
         <p:spPr>
           <a:xfrm>
-            <a:off x="312234" y="903249"/>
-            <a:ext cx="8604996" cy="3385542"/>
+            <a:off x="255373" y="717952"/>
+            <a:ext cx="8888627" cy="1815882"/>
           </a:xfrm>
           <a:prstGeom prst="rect">
             <a:avLst/>
@@ -9391,7 +9463,7 @@
           </a:bodyPr>
           <a:lstStyle/>
           <a:p>
-            <a:pPr>
+            <a:pPr marL="285750" indent="-285750">
               <a:lnSpc>
                 <a:spcPct val="90000"/>
               </a:lnSpc>
@@ -9399,9 +9471,11 @@
                 <a:spcPts val="1200"/>
               </a:spcBef>
               <a:buClr>
-                <a:srgbClr val="CC0000"/>
+                <a:schemeClr val="tx1"/>
               </a:buClr>
               <a:buSzPct val="110000"/>
+              <a:buFont typeface="Arial" charset="0"/>
+              <a:buChar char="•"/>
             </a:pPr>
             <a:r>
               <a:rPr lang="en-US" sz="1600" dirty="0" smtClean="0">
@@ -9419,11 +9493,11 @@
                 <a:latin typeface="Arial" panose="020B0604020202020204" pitchFamily="34" charset="0"/>
                 <a:cs typeface="Arial" panose="020B0604020202020204" pitchFamily="34" charset="0"/>
               </a:rPr>
-              <a:t>Callbacks</a:t>
-            </a:r>
-          </a:p>
-          <a:p>
-            <a:pPr>
+              <a:t>Do not pollute global scope</a:t>
+            </a:r>
+          </a:p>
+          <a:p>
+            <a:pPr marL="285750" indent="-285750">
               <a:lnSpc>
                 <a:spcPct val="90000"/>
               </a:lnSpc>
@@ -9431,11 +9505,31 @@
                 <a:spcPts val="1200"/>
               </a:spcBef>
               <a:buClr>
-                <a:srgbClr val="CC0000"/>
+                <a:schemeClr val="tx1"/>
               </a:buClr>
               <a:buSzPct val="110000"/>
+              <a:buFont typeface="Arial" charset="0"/>
+              <a:buChar char="•"/>
             </a:pPr>
             <a:r>
+              <a:rPr lang="en-US" sz="1600" dirty="0" smtClean="0">
+                <a:gradFill>
+                  <a:gsLst>
+                    <a:gs pos="0">
+                      <a:schemeClr val="tx1"/>
+                    </a:gs>
+                    <a:gs pos="98000">
+                      <a:schemeClr val="tx1"/>
+                    </a:gs>
+                  </a:gsLst>
+                  <a:lin ang="5400000" scaled="0"/>
+                </a:gradFill>
+                <a:latin typeface="Arial" panose="020B0604020202020204" pitchFamily="34" charset="0"/>
+                <a:cs typeface="Arial" panose="020B0604020202020204" pitchFamily="34" charset="0"/>
+              </a:rPr>
+              <a:t>Function scope </a:t>
+            </a:r>
+            <a:r>
               <a:rPr lang="en-US" sz="1600" dirty="0">
                 <a:gradFill>
                   <a:gsLst>
@@ -9451,7 +9545,7 @@
                 <a:latin typeface="Arial" panose="020B0604020202020204" pitchFamily="34" charset="0"/>
                 <a:cs typeface="Arial" panose="020B0604020202020204" pitchFamily="34" charset="0"/>
               </a:rPr>
-              <a:t>	</a:t>
+              <a:t>and </a:t>
             </a:r>
             <a:r>
               <a:rPr lang="en-US" sz="1600" dirty="0" smtClean="0">
@@ -9469,11 +9563,47 @@
                 <a:latin typeface="Arial" panose="020B0604020202020204" pitchFamily="34" charset="0"/>
                 <a:cs typeface="Arial" panose="020B0604020202020204" pitchFamily="34" charset="0"/>
               </a:rPr>
-              <a:t>- Convention is to use (err, data) convention. If err is not null, error handling logic. 	Otherwise continue with data.</a:t>
-            </a:r>
-          </a:p>
-          <a:p>
-            <a:pPr>
+              <a:t>hoisting (</a:t>
+            </a:r>
+            <a:r>
+              <a:rPr lang="en-US" sz="1600" dirty="0" err="1" smtClean="0">
+                <a:gradFill>
+                  <a:gsLst>
+                    <a:gs pos="0">
+                      <a:schemeClr val="tx1"/>
+                    </a:gs>
+                    <a:gs pos="98000">
+                      <a:schemeClr val="tx1"/>
+                    </a:gs>
+                  </a:gsLst>
+                  <a:lin ang="5400000" scaled="0"/>
+                </a:gradFill>
+                <a:latin typeface="Arial" panose="020B0604020202020204" pitchFamily="34" charset="0"/>
+                <a:cs typeface="Arial" panose="020B0604020202020204" pitchFamily="34" charset="0"/>
+              </a:rPr>
+              <a:t>var</a:t>
+            </a:r>
+            <a:r>
+              <a:rPr lang="en-US" sz="1600" dirty="0" smtClean="0">
+                <a:gradFill>
+                  <a:gsLst>
+                    <a:gs pos="0">
+                      <a:schemeClr val="tx1"/>
+                    </a:gs>
+                    <a:gs pos="98000">
+                      <a:schemeClr val="tx1"/>
+                    </a:gs>
+                  </a:gsLst>
+                  <a:lin ang="5400000" scaled="0"/>
+                </a:gradFill>
+                <a:latin typeface="Arial" panose="020B0604020202020204" pitchFamily="34" charset="0"/>
+                <a:cs typeface="Arial" panose="020B0604020202020204" pitchFamily="34" charset="0"/>
+              </a:rPr>
+              <a:t> vs let)</a:t>
+            </a:r>
+          </a:p>
+          <a:p>
+            <a:pPr marL="285750" indent="-285750">
               <a:lnSpc>
                 <a:spcPct val="90000"/>
               </a:lnSpc>
@@ -9481,9 +9611,11 @@
                 <a:spcPts val="1200"/>
               </a:spcBef>
               <a:buClr>
-                <a:srgbClr val="CC0000"/>
+                <a:schemeClr val="tx1"/>
               </a:buClr>
               <a:buSzPct val="110000"/>
+              <a:buFont typeface="Arial" charset="0"/>
+              <a:buChar char="•"/>
             </a:pPr>
             <a:r>
               <a:rPr lang="en-US" sz="1600" dirty="0" smtClean="0">
@@ -9501,11 +9633,11 @@
                 <a:latin typeface="Arial" panose="020B0604020202020204" pitchFamily="34" charset="0"/>
                 <a:cs typeface="Arial" panose="020B0604020202020204" pitchFamily="34" charset="0"/>
               </a:rPr>
-              <a:t>Promises</a:t>
-            </a:r>
-          </a:p>
-          <a:p>
-            <a:pPr>
+              <a:t>== vs ===</a:t>
+            </a:r>
+          </a:p>
+          <a:p>
+            <a:pPr marL="285750" indent="-285750">
               <a:lnSpc>
                 <a:spcPct val="90000"/>
               </a:lnSpc>
@@ -9513,12 +9645,14 @@
                 <a:spcPts val="1200"/>
               </a:spcBef>
               <a:buClr>
-                <a:srgbClr val="CC0000"/>
+                <a:schemeClr val="tx1"/>
               </a:buClr>
               <a:buSzPct val="110000"/>
+              <a:buFont typeface="Arial" charset="0"/>
+              <a:buChar char="•"/>
             </a:pPr>
             <a:r>
-              <a:rPr lang="en-US" sz="1600" dirty="0">
+              <a:rPr lang="en-US" sz="1600" dirty="0" smtClean="0">
                 <a:gradFill>
                   <a:gsLst>
                     <a:gs pos="0">
@@ -9533,137 +9667,26 @@
                 <a:latin typeface="Arial" panose="020B0604020202020204" pitchFamily="34" charset="0"/>
                 <a:cs typeface="Arial" panose="020B0604020202020204" pitchFamily="34" charset="0"/>
               </a:rPr>
-              <a:t>	</a:t>
-            </a:r>
-            <a:r>
-              <a:rPr lang="en-US" sz="1600" dirty="0" smtClean="0">
-                <a:gradFill>
-                  <a:gsLst>
-                    <a:gs pos="0">
-                      <a:schemeClr val="tx1"/>
-                    </a:gs>
-                    <a:gs pos="98000">
-                      <a:schemeClr val="tx1"/>
-                    </a:gs>
-                  </a:gsLst>
-                  <a:lin ang="5400000" scaled="0"/>
-                </a:gradFill>
-                <a:latin typeface="Arial" panose="020B0604020202020204" pitchFamily="34" charset="0"/>
-                <a:cs typeface="Arial" panose="020B0604020202020204" pitchFamily="34" charset="0"/>
-              </a:rPr>
-              <a:t>- A way to avoid </a:t>
-            </a:r>
-            <a:r>
-              <a:rPr lang="en-US" sz="1600" dirty="0">
-                <a:gradFill>
-                  <a:gsLst>
-                    <a:gs pos="0">
-                      <a:schemeClr val="tx1"/>
-                    </a:gs>
-                    <a:gs pos="98000">
-                      <a:schemeClr val="tx1"/>
-                    </a:gs>
-                  </a:gsLst>
-                  <a:lin ang="5400000" scaled="0"/>
-                </a:gradFill>
-                <a:latin typeface="Arial" panose="020B0604020202020204" pitchFamily="34" charset="0"/>
-                <a:cs typeface="Arial" panose="020B0604020202020204" pitchFamily="34" charset="0"/>
-              </a:rPr>
-              <a:t>callback </a:t>
-            </a:r>
-            <a:r>
-              <a:rPr lang="en-US" sz="1600" dirty="0" smtClean="0">
-                <a:gradFill>
-                  <a:gsLst>
-                    <a:gs pos="0">
-                      <a:schemeClr val="tx1"/>
-                    </a:gs>
-                    <a:gs pos="98000">
-                      <a:schemeClr val="tx1"/>
-                    </a:gs>
-                  </a:gsLst>
-                  <a:lin ang="5400000" scaled="0"/>
-                </a:gradFill>
-                <a:latin typeface="Arial" panose="020B0604020202020204" pitchFamily="34" charset="0"/>
-                <a:cs typeface="Arial" panose="020B0604020202020204" pitchFamily="34" charset="0"/>
-              </a:rPr>
-              <a:t>pyramid. Instead of callback(err, data) you have 	.then(</a:t>
-            </a:r>
-            <a:r>
-              <a:rPr lang="en-US" sz="1600" dirty="0" err="1" smtClean="0">
-                <a:gradFill>
-                  <a:gsLst>
-                    <a:gs pos="0">
-                      <a:schemeClr val="tx1"/>
-                    </a:gs>
-                    <a:gs pos="98000">
-                      <a:schemeClr val="tx1"/>
-                    </a:gs>
-                  </a:gsLst>
-                  <a:lin ang="5400000" scaled="0"/>
-                </a:gradFill>
-                <a:latin typeface="Arial" panose="020B0604020202020204" pitchFamily="34" charset="0"/>
-                <a:cs typeface="Arial" panose="020B0604020202020204" pitchFamily="34" charset="0"/>
-              </a:rPr>
-              <a:t>functionSuccess</a:t>
-            </a:r>
-            <a:r>
-              <a:rPr lang="en-US" sz="1600" dirty="0" smtClean="0">
-                <a:gradFill>
-                  <a:gsLst>
-                    <a:gs pos="0">
-                      <a:schemeClr val="tx1"/>
-                    </a:gs>
-                    <a:gs pos="98000">
-                      <a:schemeClr val="tx1"/>
-                    </a:gs>
-                  </a:gsLst>
-                  <a:lin ang="5400000" scaled="0"/>
-                </a:gradFill>
-                <a:latin typeface="Arial" panose="020B0604020202020204" pitchFamily="34" charset="0"/>
-                <a:cs typeface="Arial" panose="020B0604020202020204" pitchFamily="34" charset="0"/>
-              </a:rPr>
-              <a:t>, </a:t>
-            </a:r>
-            <a:r>
-              <a:rPr lang="en-US" sz="1600" dirty="0" err="1" smtClean="0">
-                <a:gradFill>
-                  <a:gsLst>
-                    <a:gs pos="0">
-                      <a:schemeClr val="tx1"/>
-                    </a:gs>
-                    <a:gs pos="98000">
-                      <a:schemeClr val="tx1"/>
-                    </a:gs>
-                  </a:gsLst>
-                  <a:lin ang="5400000" scaled="0"/>
-                </a:gradFill>
-                <a:latin typeface="Arial" panose="020B0604020202020204" pitchFamily="34" charset="0"/>
-                <a:cs typeface="Arial" panose="020B0604020202020204" pitchFamily="34" charset="0"/>
-              </a:rPr>
-              <a:t>functionFailure</a:t>
-            </a:r>
-            <a:r>
-              <a:rPr lang="en-US" sz="1600" dirty="0" smtClean="0">
-                <a:gradFill>
-                  <a:gsLst>
-                    <a:gs pos="0">
-                      <a:schemeClr val="tx1"/>
-                    </a:gs>
-                    <a:gs pos="98000">
-                      <a:schemeClr val="tx1"/>
-                    </a:gs>
-                  </a:gsLst>
-                  <a:lin ang="5400000" scaled="0"/>
-                </a:gradFill>
-                <a:latin typeface="Arial" panose="020B0604020202020204" pitchFamily="34" charset="0"/>
-                <a:cs typeface="Arial" panose="020B0604020202020204" pitchFamily="34" charset="0"/>
-              </a:rPr>
-              <a:t>). These are chainable.</a:t>
-            </a:r>
-          </a:p>
-          <a:p>
-            <a:pPr>
+              <a:t>Duck typing</a:t>
+            </a:r>
+            <a:endParaRPr lang="en-US" sz="1600" dirty="0">
+              <a:gradFill>
+                <a:gsLst>
+                  <a:gs pos="0">
+                    <a:schemeClr val="tx1"/>
+                  </a:gs>
+                  <a:gs pos="98000">
+                    <a:schemeClr val="tx1"/>
+                  </a:gs>
+                </a:gsLst>
+                <a:lin ang="5400000" scaled="0"/>
+              </a:gradFill>
+              <a:latin typeface="Arial" panose="020B0604020202020204" pitchFamily="34" charset="0"/>
+              <a:cs typeface="Arial" panose="020B0604020202020204" pitchFamily="34" charset="0"/>
+            </a:endParaRPr>
+          </a:p>
+          <a:p>
+            <a:pPr marL="285750" indent="-285750">
               <a:lnSpc>
                 <a:spcPct val="90000"/>
               </a:lnSpc>
@@ -9671,160 +9694,12 @@
                 <a:spcPts val="1200"/>
               </a:spcBef>
               <a:buClr>
-                <a:srgbClr val="CC0000"/>
+                <a:schemeClr val="tx1"/>
               </a:buClr>
               <a:buSzPct val="110000"/>
+              <a:buFont typeface="Arial" charset="0"/>
+              <a:buChar char="•"/>
             </a:pPr>
-            <a:r>
-              <a:rPr lang="en-US" sz="1600" dirty="0" smtClean="0">
-                <a:gradFill>
-                  <a:gsLst>
-                    <a:gs pos="0">
-                      <a:schemeClr val="tx1"/>
-                    </a:gs>
-                    <a:gs pos="98000">
-                      <a:schemeClr val="tx1"/>
-                    </a:gs>
-                  </a:gsLst>
-                  <a:lin ang="5400000" scaled="0"/>
-                </a:gradFill>
-                <a:latin typeface="Arial" panose="020B0604020202020204" pitchFamily="34" charset="0"/>
-                <a:cs typeface="Arial" panose="020B0604020202020204" pitchFamily="34" charset="0"/>
-              </a:rPr>
-              <a:t>Modules</a:t>
-            </a:r>
-          </a:p>
-          <a:p>
-            <a:pPr>
-              <a:lnSpc>
-                <a:spcPct val="90000"/>
-              </a:lnSpc>
-              <a:spcBef>
-                <a:spcPts val="1200"/>
-              </a:spcBef>
-              <a:buClr>
-                <a:srgbClr val="CC0000"/>
-              </a:buClr>
-              <a:buSzPct val="110000"/>
-            </a:pPr>
-            <a:r>
-              <a:rPr lang="en-US" sz="1600" dirty="0">
-                <a:gradFill>
-                  <a:gsLst>
-                    <a:gs pos="0">
-                      <a:schemeClr val="tx1"/>
-                    </a:gs>
-                    <a:gs pos="98000">
-                      <a:schemeClr val="tx1"/>
-                    </a:gs>
-                  </a:gsLst>
-                  <a:lin ang="5400000" scaled="0"/>
-                </a:gradFill>
-                <a:latin typeface="Arial" panose="020B0604020202020204" pitchFamily="34" charset="0"/>
-                <a:cs typeface="Arial" panose="020B0604020202020204" pitchFamily="34" charset="0"/>
-              </a:rPr>
-              <a:t>	</a:t>
-            </a:r>
-            <a:r>
-              <a:rPr lang="en-US" sz="1600" dirty="0" smtClean="0">
-                <a:gradFill>
-                  <a:gsLst>
-                    <a:gs pos="0">
-                      <a:schemeClr val="tx1"/>
-                    </a:gs>
-                    <a:gs pos="98000">
-                      <a:schemeClr val="tx1"/>
-                    </a:gs>
-                  </a:gsLst>
-                  <a:lin ang="5400000" scaled="0"/>
-                </a:gradFill>
-                <a:latin typeface="Arial" panose="020B0604020202020204" pitchFamily="34" charset="0"/>
-                <a:cs typeface="Arial" panose="020B0604020202020204" pitchFamily="34" charset="0"/>
-              </a:rPr>
-              <a:t>- A way to organize your code in small, reusable pieces.</a:t>
-            </a:r>
-          </a:p>
-          <a:p>
-            <a:pPr>
-              <a:lnSpc>
-                <a:spcPct val="90000"/>
-              </a:lnSpc>
-              <a:spcBef>
-                <a:spcPts val="1200"/>
-              </a:spcBef>
-              <a:buClr>
-                <a:srgbClr val="CC0000"/>
-              </a:buClr>
-              <a:buSzPct val="110000"/>
-            </a:pPr>
-            <a:r>
-              <a:rPr lang="en-US" sz="1600" dirty="0" smtClean="0">
-                <a:gradFill>
-                  <a:gsLst>
-                    <a:gs pos="0">
-                      <a:schemeClr val="tx1"/>
-                    </a:gs>
-                    <a:gs pos="98000">
-                      <a:schemeClr val="tx1"/>
-                    </a:gs>
-                  </a:gsLst>
-                  <a:lin ang="5400000" scaled="0"/>
-                </a:gradFill>
-                <a:latin typeface="Arial" panose="020B0604020202020204" pitchFamily="34" charset="0"/>
-                <a:cs typeface="Arial" panose="020B0604020202020204" pitchFamily="34" charset="0"/>
-              </a:rPr>
-              <a:t>Dependencies</a:t>
-            </a:r>
-          </a:p>
-          <a:p>
-            <a:pPr>
-              <a:lnSpc>
-                <a:spcPct val="90000"/>
-              </a:lnSpc>
-              <a:spcBef>
-                <a:spcPts val="1200"/>
-              </a:spcBef>
-              <a:buClr>
-                <a:srgbClr val="CC0000"/>
-              </a:buClr>
-              <a:buSzPct val="110000"/>
-            </a:pPr>
-            <a:r>
-              <a:rPr lang="en-US" sz="1600" dirty="0">
-                <a:gradFill>
-                  <a:gsLst>
-                    <a:gs pos="0">
-                      <a:schemeClr val="tx1"/>
-                    </a:gs>
-                    <a:gs pos="98000">
-                      <a:schemeClr val="tx1"/>
-                    </a:gs>
-                  </a:gsLst>
-                  <a:lin ang="5400000" scaled="0"/>
-                </a:gradFill>
-                <a:latin typeface="Arial" panose="020B0604020202020204" pitchFamily="34" charset="0"/>
-                <a:cs typeface="Arial" panose="020B0604020202020204" pitchFamily="34" charset="0"/>
-              </a:rPr>
-              <a:t>	</a:t>
-            </a:r>
-            <a:r>
-              <a:rPr lang="en-US" sz="1600" dirty="0" smtClean="0">
-                <a:gradFill>
-                  <a:gsLst>
-                    <a:gs pos="0">
-                      <a:schemeClr val="tx1"/>
-                    </a:gs>
-                    <a:gs pos="98000">
-                      <a:schemeClr val="tx1"/>
-                    </a:gs>
-                  </a:gsLst>
-                  <a:lin ang="5400000" scaled="0"/>
-                </a:gradFill>
-                <a:latin typeface="Arial" panose="020B0604020202020204" pitchFamily="34" charset="0"/>
-                <a:cs typeface="Arial" panose="020B0604020202020204" pitchFamily="34" charset="0"/>
-              </a:rPr>
-              <a:t>- require(‘path’).</a:t>
-            </a:r>
             <a:endParaRPr lang="en-US" sz="1600" dirty="0" smtClean="0">
               <a:gradFill>
                 <a:gsLst>
@@ -9846,13 +9721,20 @@
     </p:spTree>
     <p:extLst>
       <p:ext uri="{BB962C8B-B14F-4D97-AF65-F5344CB8AC3E}">
-        <p14:creationId xmlns:p14="http://schemas.microsoft.com/office/powerpoint/2010/main" val="1058452369"/>
+        <p14:creationId xmlns:p14="http://schemas.microsoft.com/office/powerpoint/2010/main" val="2132372528"/>
       </p:ext>
     </p:extLst>
   </p:cSld>
   <p:clrMapOvr>
     <a:masterClrMapping/>
   </p:clrMapOvr>
+  <p:timing>
+    <p:tnLst>
+      <p:par>
+        <p:cTn id="1" dur="indefinite" restart="never" nodeType="tmRoot"/>
+      </p:par>
+    </p:tnLst>
+  </p:timing>
 </p:sld>
 </file>
 
@@ -9907,29 +9789,608 @@
             <p:ph type="title"/>
           </p:nvPr>
         </p:nvSpPr>
-        <p:spPr/>
+        <p:spPr>
+          <a:xfrm>
+            <a:off x="231775" y="210121"/>
+            <a:ext cx="8685455" cy="507831"/>
+          </a:xfrm>
+        </p:spPr>
         <p:txBody>
           <a:bodyPr/>
           <a:lstStyle/>
           <a:p>
             <a:r>
-              <a:rPr lang="en-US" dirty="0" smtClean="0"/>
-              <a:t>JavaScript</a:t>
+              <a:rPr lang="en-US" dirty="0" err="1" smtClean="0"/>
+              <a:t>Nodejs</a:t>
             </a:r>
             <a:endParaRPr lang="en-US" dirty="0"/>
+          </a:p>
+        </p:txBody>
+      </p:sp>
+      <p:sp>
+        <p:nvSpPr>
+          <p:cNvPr id="5" name="TextBox 4"/>
+          <p:cNvSpPr txBox="1"/>
+          <p:nvPr/>
+        </p:nvSpPr>
+        <p:spPr>
+          <a:xfrm>
+            <a:off x="312234" y="903249"/>
+            <a:ext cx="8604996" cy="3385542"/>
+          </a:xfrm>
+          <a:prstGeom prst="rect">
+            <a:avLst/>
+          </a:prstGeom>
+          <a:noFill/>
+        </p:spPr>
+        <p:txBody>
+          <a:bodyPr wrap="square" rtlCol="0">
+            <a:spAutoFit/>
+          </a:bodyPr>
+          <a:lstStyle/>
+          <a:p>
+            <a:pPr>
+              <a:lnSpc>
+                <a:spcPct val="90000"/>
+              </a:lnSpc>
+              <a:spcBef>
+                <a:spcPts val="1200"/>
+              </a:spcBef>
+              <a:buClr>
+                <a:srgbClr val="CC0000"/>
+              </a:buClr>
+              <a:buSzPct val="110000"/>
+            </a:pPr>
+            <a:r>
+              <a:rPr lang="en-US" sz="1600" dirty="0" smtClean="0">
+                <a:gradFill>
+                  <a:gsLst>
+                    <a:gs pos="0">
+                      <a:schemeClr val="tx1"/>
+                    </a:gs>
+                    <a:gs pos="98000">
+                      <a:schemeClr val="tx1"/>
+                    </a:gs>
+                  </a:gsLst>
+                  <a:lin ang="5400000" scaled="0"/>
+                </a:gradFill>
+                <a:latin typeface="Arial" panose="020B0604020202020204" pitchFamily="34" charset="0"/>
+                <a:cs typeface="Arial" panose="020B0604020202020204" pitchFamily="34" charset="0"/>
+              </a:rPr>
+              <a:t>Callbacks</a:t>
+            </a:r>
+          </a:p>
+          <a:p>
+            <a:pPr>
+              <a:lnSpc>
+                <a:spcPct val="90000"/>
+              </a:lnSpc>
+              <a:spcBef>
+                <a:spcPts val="1200"/>
+              </a:spcBef>
+              <a:buClr>
+                <a:srgbClr val="CC0000"/>
+              </a:buClr>
+              <a:buSzPct val="110000"/>
+            </a:pPr>
+            <a:r>
+              <a:rPr lang="en-US" sz="1600" dirty="0">
+                <a:gradFill>
+                  <a:gsLst>
+                    <a:gs pos="0">
+                      <a:schemeClr val="tx1"/>
+                    </a:gs>
+                    <a:gs pos="98000">
+                      <a:schemeClr val="tx1"/>
+                    </a:gs>
+                  </a:gsLst>
+                  <a:lin ang="5400000" scaled="0"/>
+                </a:gradFill>
+                <a:latin typeface="Arial" panose="020B0604020202020204" pitchFamily="34" charset="0"/>
+                <a:cs typeface="Arial" panose="020B0604020202020204" pitchFamily="34" charset="0"/>
+              </a:rPr>
+              <a:t>	</a:t>
+            </a:r>
+            <a:r>
+              <a:rPr lang="en-US" sz="1600" dirty="0" smtClean="0">
+                <a:gradFill>
+                  <a:gsLst>
+                    <a:gs pos="0">
+                      <a:schemeClr val="tx1"/>
+                    </a:gs>
+                    <a:gs pos="98000">
+                      <a:schemeClr val="tx1"/>
+                    </a:gs>
+                  </a:gsLst>
+                  <a:lin ang="5400000" scaled="0"/>
+                </a:gradFill>
+                <a:latin typeface="Arial" panose="020B0604020202020204" pitchFamily="34" charset="0"/>
+                <a:cs typeface="Arial" panose="020B0604020202020204" pitchFamily="34" charset="0"/>
+              </a:rPr>
+              <a:t>- Convention is to use </a:t>
+            </a:r>
+            <a:r>
+              <a:rPr lang="en-US" sz="1600" dirty="0" smtClean="0">
+                <a:gradFill>
+                  <a:gsLst>
+                    <a:gs pos="0">
+                      <a:schemeClr val="tx1"/>
+                    </a:gs>
+                    <a:gs pos="98000">
+                      <a:schemeClr val="tx1"/>
+                    </a:gs>
+                  </a:gsLst>
+                  <a:lin ang="5400000" scaled="0"/>
+                </a:gradFill>
+                <a:latin typeface="Arial" panose="020B0604020202020204" pitchFamily="34" charset="0"/>
+                <a:cs typeface="Arial" panose="020B0604020202020204" pitchFamily="34" charset="0"/>
+              </a:rPr>
+              <a:t>function(err</a:t>
+            </a:r>
+            <a:r>
+              <a:rPr lang="en-US" sz="1600" dirty="0" smtClean="0">
+                <a:gradFill>
+                  <a:gsLst>
+                    <a:gs pos="0">
+                      <a:schemeClr val="tx1"/>
+                    </a:gs>
+                    <a:gs pos="98000">
+                      <a:schemeClr val="tx1"/>
+                    </a:gs>
+                  </a:gsLst>
+                  <a:lin ang="5400000" scaled="0"/>
+                </a:gradFill>
+                <a:latin typeface="Arial" panose="020B0604020202020204" pitchFamily="34" charset="0"/>
+                <a:cs typeface="Arial" panose="020B0604020202020204" pitchFamily="34" charset="0"/>
+              </a:rPr>
+              <a:t>, data</a:t>
+            </a:r>
+            <a:r>
+              <a:rPr lang="en-US" sz="1600" dirty="0" smtClean="0">
+                <a:gradFill>
+                  <a:gsLst>
+                    <a:gs pos="0">
+                      <a:schemeClr val="tx1"/>
+                    </a:gs>
+                    <a:gs pos="98000">
+                      <a:schemeClr val="tx1"/>
+                    </a:gs>
+                  </a:gsLst>
+                  <a:lin ang="5400000" scaled="0"/>
+                </a:gradFill>
+                <a:latin typeface="Arial" panose="020B0604020202020204" pitchFamily="34" charset="0"/>
+                <a:cs typeface="Arial" panose="020B0604020202020204" pitchFamily="34" charset="0"/>
+              </a:rPr>
+              <a:t>). </a:t>
+            </a:r>
+            <a:r>
+              <a:rPr lang="en-US" sz="1600" dirty="0" smtClean="0">
+                <a:gradFill>
+                  <a:gsLst>
+                    <a:gs pos="0">
+                      <a:schemeClr val="tx1"/>
+                    </a:gs>
+                    <a:gs pos="98000">
+                      <a:schemeClr val="tx1"/>
+                    </a:gs>
+                  </a:gsLst>
+                  <a:lin ang="5400000" scaled="0"/>
+                </a:gradFill>
+                <a:latin typeface="Arial" panose="020B0604020202020204" pitchFamily="34" charset="0"/>
+                <a:cs typeface="Arial" panose="020B0604020202020204" pitchFamily="34" charset="0"/>
+              </a:rPr>
+              <a:t>If err is not null, error handling </a:t>
+            </a:r>
+            <a:r>
+              <a:rPr lang="en-US" sz="1600" dirty="0" smtClean="0">
+                <a:gradFill>
+                  <a:gsLst>
+                    <a:gs pos="0">
+                      <a:schemeClr val="tx1"/>
+                    </a:gs>
+                    <a:gs pos="98000">
+                      <a:schemeClr val="tx1"/>
+                    </a:gs>
+                  </a:gsLst>
+                  <a:lin ang="5400000" scaled="0"/>
+                </a:gradFill>
+                <a:latin typeface="Arial" panose="020B0604020202020204" pitchFamily="34" charset="0"/>
+                <a:cs typeface="Arial" panose="020B0604020202020204" pitchFamily="34" charset="0"/>
+              </a:rPr>
+              <a:t>logic. 	Otherwise continue </a:t>
+            </a:r>
+            <a:r>
+              <a:rPr lang="en-US" sz="1600" dirty="0" smtClean="0">
+                <a:gradFill>
+                  <a:gsLst>
+                    <a:gs pos="0">
+                      <a:schemeClr val="tx1"/>
+                    </a:gs>
+                    <a:gs pos="98000">
+                      <a:schemeClr val="tx1"/>
+                    </a:gs>
+                  </a:gsLst>
+                  <a:lin ang="5400000" scaled="0"/>
+                </a:gradFill>
+                <a:latin typeface="Arial" panose="020B0604020202020204" pitchFamily="34" charset="0"/>
+                <a:cs typeface="Arial" panose="020B0604020202020204" pitchFamily="34" charset="0"/>
+              </a:rPr>
+              <a:t>with data.</a:t>
+            </a:r>
+          </a:p>
+          <a:p>
+            <a:pPr>
+              <a:lnSpc>
+                <a:spcPct val="90000"/>
+              </a:lnSpc>
+              <a:spcBef>
+                <a:spcPts val="1200"/>
+              </a:spcBef>
+              <a:buClr>
+                <a:srgbClr val="CC0000"/>
+              </a:buClr>
+              <a:buSzPct val="110000"/>
+            </a:pPr>
+            <a:r>
+              <a:rPr lang="en-US" sz="1600" dirty="0" smtClean="0">
+                <a:gradFill>
+                  <a:gsLst>
+                    <a:gs pos="0">
+                      <a:schemeClr val="tx1"/>
+                    </a:gs>
+                    <a:gs pos="98000">
+                      <a:schemeClr val="tx1"/>
+                    </a:gs>
+                  </a:gsLst>
+                  <a:lin ang="5400000" scaled="0"/>
+                </a:gradFill>
+                <a:latin typeface="Arial" panose="020B0604020202020204" pitchFamily="34" charset="0"/>
+                <a:cs typeface="Arial" panose="020B0604020202020204" pitchFamily="34" charset="0"/>
+              </a:rPr>
+              <a:t>Promises</a:t>
+            </a:r>
+          </a:p>
+          <a:p>
+            <a:pPr>
+              <a:lnSpc>
+                <a:spcPct val="90000"/>
+              </a:lnSpc>
+              <a:spcBef>
+                <a:spcPts val="1200"/>
+              </a:spcBef>
+              <a:buClr>
+                <a:srgbClr val="CC0000"/>
+              </a:buClr>
+              <a:buSzPct val="110000"/>
+            </a:pPr>
+            <a:r>
+              <a:rPr lang="en-US" sz="1600" dirty="0">
+                <a:gradFill>
+                  <a:gsLst>
+                    <a:gs pos="0">
+                      <a:schemeClr val="tx1"/>
+                    </a:gs>
+                    <a:gs pos="98000">
+                      <a:schemeClr val="tx1"/>
+                    </a:gs>
+                  </a:gsLst>
+                  <a:lin ang="5400000" scaled="0"/>
+                </a:gradFill>
+                <a:latin typeface="Arial" panose="020B0604020202020204" pitchFamily="34" charset="0"/>
+                <a:cs typeface="Arial" panose="020B0604020202020204" pitchFamily="34" charset="0"/>
+              </a:rPr>
+              <a:t>	</a:t>
+            </a:r>
+            <a:r>
+              <a:rPr lang="en-US" sz="1600" dirty="0" smtClean="0">
+                <a:gradFill>
+                  <a:gsLst>
+                    <a:gs pos="0">
+                      <a:schemeClr val="tx1"/>
+                    </a:gs>
+                    <a:gs pos="98000">
+                      <a:schemeClr val="tx1"/>
+                    </a:gs>
+                  </a:gsLst>
+                  <a:lin ang="5400000" scaled="0"/>
+                </a:gradFill>
+                <a:latin typeface="Arial" panose="020B0604020202020204" pitchFamily="34" charset="0"/>
+                <a:cs typeface="Arial" panose="020B0604020202020204" pitchFamily="34" charset="0"/>
+              </a:rPr>
+              <a:t>- A way to avoid </a:t>
+            </a:r>
+            <a:r>
+              <a:rPr lang="en-US" sz="1600" dirty="0">
+                <a:gradFill>
+                  <a:gsLst>
+                    <a:gs pos="0">
+                      <a:schemeClr val="tx1"/>
+                    </a:gs>
+                    <a:gs pos="98000">
+                      <a:schemeClr val="tx1"/>
+                    </a:gs>
+                  </a:gsLst>
+                  <a:lin ang="5400000" scaled="0"/>
+                </a:gradFill>
+                <a:latin typeface="Arial" panose="020B0604020202020204" pitchFamily="34" charset="0"/>
+                <a:cs typeface="Arial" panose="020B0604020202020204" pitchFamily="34" charset="0"/>
+              </a:rPr>
+              <a:t>callback </a:t>
+            </a:r>
+            <a:r>
+              <a:rPr lang="en-US" sz="1600" dirty="0" smtClean="0">
+                <a:gradFill>
+                  <a:gsLst>
+                    <a:gs pos="0">
+                      <a:schemeClr val="tx1"/>
+                    </a:gs>
+                    <a:gs pos="98000">
+                      <a:schemeClr val="tx1"/>
+                    </a:gs>
+                  </a:gsLst>
+                  <a:lin ang="5400000" scaled="0"/>
+                </a:gradFill>
+                <a:latin typeface="Arial" panose="020B0604020202020204" pitchFamily="34" charset="0"/>
+                <a:cs typeface="Arial" panose="020B0604020202020204" pitchFamily="34" charset="0"/>
+              </a:rPr>
+              <a:t>pyramid. Instead of callback(err, data) you have 	.then(</a:t>
+            </a:r>
+            <a:r>
+              <a:rPr lang="en-US" sz="1600" dirty="0" err="1" smtClean="0">
+                <a:gradFill>
+                  <a:gsLst>
+                    <a:gs pos="0">
+                      <a:schemeClr val="tx1"/>
+                    </a:gs>
+                    <a:gs pos="98000">
+                      <a:schemeClr val="tx1"/>
+                    </a:gs>
+                  </a:gsLst>
+                  <a:lin ang="5400000" scaled="0"/>
+                </a:gradFill>
+                <a:latin typeface="Arial" panose="020B0604020202020204" pitchFamily="34" charset="0"/>
+                <a:cs typeface="Arial" panose="020B0604020202020204" pitchFamily="34" charset="0"/>
+              </a:rPr>
+              <a:t>functionSuccess</a:t>
+            </a:r>
+            <a:r>
+              <a:rPr lang="en-US" sz="1600" dirty="0" smtClean="0">
+                <a:gradFill>
+                  <a:gsLst>
+                    <a:gs pos="0">
+                      <a:schemeClr val="tx1"/>
+                    </a:gs>
+                    <a:gs pos="98000">
+                      <a:schemeClr val="tx1"/>
+                    </a:gs>
+                  </a:gsLst>
+                  <a:lin ang="5400000" scaled="0"/>
+                </a:gradFill>
+                <a:latin typeface="Arial" panose="020B0604020202020204" pitchFamily="34" charset="0"/>
+                <a:cs typeface="Arial" panose="020B0604020202020204" pitchFamily="34" charset="0"/>
+              </a:rPr>
+              <a:t>, </a:t>
+            </a:r>
+            <a:r>
+              <a:rPr lang="en-US" sz="1600" dirty="0" err="1" smtClean="0">
+                <a:gradFill>
+                  <a:gsLst>
+                    <a:gs pos="0">
+                      <a:schemeClr val="tx1"/>
+                    </a:gs>
+                    <a:gs pos="98000">
+                      <a:schemeClr val="tx1"/>
+                    </a:gs>
+                  </a:gsLst>
+                  <a:lin ang="5400000" scaled="0"/>
+                </a:gradFill>
+                <a:latin typeface="Arial" panose="020B0604020202020204" pitchFamily="34" charset="0"/>
+                <a:cs typeface="Arial" panose="020B0604020202020204" pitchFamily="34" charset="0"/>
+              </a:rPr>
+              <a:t>functionFailure</a:t>
+            </a:r>
+            <a:r>
+              <a:rPr lang="en-US" sz="1600" dirty="0" smtClean="0">
+                <a:gradFill>
+                  <a:gsLst>
+                    <a:gs pos="0">
+                      <a:schemeClr val="tx1"/>
+                    </a:gs>
+                    <a:gs pos="98000">
+                      <a:schemeClr val="tx1"/>
+                    </a:gs>
+                  </a:gsLst>
+                  <a:lin ang="5400000" scaled="0"/>
+                </a:gradFill>
+                <a:latin typeface="Arial" panose="020B0604020202020204" pitchFamily="34" charset="0"/>
+                <a:cs typeface="Arial" panose="020B0604020202020204" pitchFamily="34" charset="0"/>
+              </a:rPr>
+              <a:t>). These are chainable.</a:t>
+            </a:r>
+          </a:p>
+          <a:p>
+            <a:pPr>
+              <a:lnSpc>
+                <a:spcPct val="90000"/>
+              </a:lnSpc>
+              <a:spcBef>
+                <a:spcPts val="1200"/>
+              </a:spcBef>
+              <a:buClr>
+                <a:srgbClr val="CC0000"/>
+              </a:buClr>
+              <a:buSzPct val="110000"/>
+            </a:pPr>
+            <a:r>
+              <a:rPr lang="en-US" sz="1600" dirty="0" smtClean="0">
+                <a:gradFill>
+                  <a:gsLst>
+                    <a:gs pos="0">
+                      <a:schemeClr val="tx1"/>
+                    </a:gs>
+                    <a:gs pos="98000">
+                      <a:schemeClr val="tx1"/>
+                    </a:gs>
+                  </a:gsLst>
+                  <a:lin ang="5400000" scaled="0"/>
+                </a:gradFill>
+                <a:latin typeface="Arial" panose="020B0604020202020204" pitchFamily="34" charset="0"/>
+                <a:cs typeface="Arial" panose="020B0604020202020204" pitchFamily="34" charset="0"/>
+              </a:rPr>
+              <a:t>Modules</a:t>
+            </a:r>
+          </a:p>
+          <a:p>
+            <a:pPr>
+              <a:lnSpc>
+                <a:spcPct val="90000"/>
+              </a:lnSpc>
+              <a:spcBef>
+                <a:spcPts val="1200"/>
+              </a:spcBef>
+              <a:buClr>
+                <a:srgbClr val="CC0000"/>
+              </a:buClr>
+              <a:buSzPct val="110000"/>
+            </a:pPr>
+            <a:r>
+              <a:rPr lang="en-US" sz="1600" dirty="0">
+                <a:gradFill>
+                  <a:gsLst>
+                    <a:gs pos="0">
+                      <a:schemeClr val="tx1"/>
+                    </a:gs>
+                    <a:gs pos="98000">
+                      <a:schemeClr val="tx1"/>
+                    </a:gs>
+                  </a:gsLst>
+                  <a:lin ang="5400000" scaled="0"/>
+                </a:gradFill>
+                <a:latin typeface="Arial" panose="020B0604020202020204" pitchFamily="34" charset="0"/>
+                <a:cs typeface="Arial" panose="020B0604020202020204" pitchFamily="34" charset="0"/>
+              </a:rPr>
+              <a:t>	</a:t>
+            </a:r>
+            <a:r>
+              <a:rPr lang="en-US" sz="1600" dirty="0" smtClean="0">
+                <a:gradFill>
+                  <a:gsLst>
+                    <a:gs pos="0">
+                      <a:schemeClr val="tx1"/>
+                    </a:gs>
+                    <a:gs pos="98000">
+                      <a:schemeClr val="tx1"/>
+                    </a:gs>
+                  </a:gsLst>
+                  <a:lin ang="5400000" scaled="0"/>
+                </a:gradFill>
+                <a:latin typeface="Arial" panose="020B0604020202020204" pitchFamily="34" charset="0"/>
+                <a:cs typeface="Arial" panose="020B0604020202020204" pitchFamily="34" charset="0"/>
+              </a:rPr>
+              <a:t>- A way to organize your code in small, reusable pieces.</a:t>
+            </a:r>
+          </a:p>
+          <a:p>
+            <a:pPr>
+              <a:lnSpc>
+                <a:spcPct val="90000"/>
+              </a:lnSpc>
+              <a:spcBef>
+                <a:spcPts val="1200"/>
+              </a:spcBef>
+              <a:buClr>
+                <a:srgbClr val="CC0000"/>
+              </a:buClr>
+              <a:buSzPct val="110000"/>
+            </a:pPr>
+            <a:r>
+              <a:rPr lang="en-US" sz="1600" dirty="0" smtClean="0">
+                <a:gradFill>
+                  <a:gsLst>
+                    <a:gs pos="0">
+                      <a:schemeClr val="tx1"/>
+                    </a:gs>
+                    <a:gs pos="98000">
+                      <a:schemeClr val="tx1"/>
+                    </a:gs>
+                  </a:gsLst>
+                  <a:lin ang="5400000" scaled="0"/>
+                </a:gradFill>
+                <a:latin typeface="Arial" panose="020B0604020202020204" pitchFamily="34" charset="0"/>
+                <a:cs typeface="Arial" panose="020B0604020202020204" pitchFamily="34" charset="0"/>
+              </a:rPr>
+              <a:t>Dependencies</a:t>
+            </a:r>
+          </a:p>
+          <a:p>
+            <a:pPr>
+              <a:lnSpc>
+                <a:spcPct val="90000"/>
+              </a:lnSpc>
+              <a:spcBef>
+                <a:spcPts val="1200"/>
+              </a:spcBef>
+              <a:buClr>
+                <a:srgbClr val="CC0000"/>
+              </a:buClr>
+              <a:buSzPct val="110000"/>
+            </a:pPr>
+            <a:r>
+              <a:rPr lang="en-US" sz="1600" dirty="0">
+                <a:gradFill>
+                  <a:gsLst>
+                    <a:gs pos="0">
+                      <a:schemeClr val="tx1"/>
+                    </a:gs>
+                    <a:gs pos="98000">
+                      <a:schemeClr val="tx1"/>
+                    </a:gs>
+                  </a:gsLst>
+                  <a:lin ang="5400000" scaled="0"/>
+                </a:gradFill>
+                <a:latin typeface="Arial" panose="020B0604020202020204" pitchFamily="34" charset="0"/>
+                <a:cs typeface="Arial" panose="020B0604020202020204" pitchFamily="34" charset="0"/>
+              </a:rPr>
+              <a:t>	</a:t>
+            </a:r>
+            <a:r>
+              <a:rPr lang="en-US" sz="1600" dirty="0" smtClean="0">
+                <a:gradFill>
+                  <a:gsLst>
+                    <a:gs pos="0">
+                      <a:schemeClr val="tx1"/>
+                    </a:gs>
+                    <a:gs pos="98000">
+                      <a:schemeClr val="tx1"/>
+                    </a:gs>
+                  </a:gsLst>
+                  <a:lin ang="5400000" scaled="0"/>
+                </a:gradFill>
+                <a:latin typeface="Arial" panose="020B0604020202020204" pitchFamily="34" charset="0"/>
+                <a:cs typeface="Arial" panose="020B0604020202020204" pitchFamily="34" charset="0"/>
+              </a:rPr>
+              <a:t>- require(‘path’).</a:t>
+            </a:r>
           </a:p>
         </p:txBody>
       </p:sp>
     </p:spTree>
     <p:extLst>
       <p:ext uri="{BB962C8B-B14F-4D97-AF65-F5344CB8AC3E}">
-        <p14:creationId xmlns:p14="http://schemas.microsoft.com/office/powerpoint/2010/main" val="2132372528"/>
+        <p14:creationId xmlns:p14="http://schemas.microsoft.com/office/powerpoint/2010/main" val="1058452369"/>
       </p:ext>
     </p:extLst>
   </p:cSld>
   <p:clrMapOvr>
     <a:masterClrMapping/>
   </p:clrMapOvr>
+  <p:timing>
+    <p:tnLst>
+      <p:par>
+        <p:cTn id="1" dur="indefinite" restart="never" nodeType="tmRoot"/>
+      </p:par>
+    </p:tnLst>
+  </p:timing>
 </p:sld>
 </file>
 
@@ -10121,26 +10582,11 @@
               </a:rPr>
               <a:t>Why? Flexibility and testability</a:t>
             </a:r>
-            <a:endParaRPr lang="en-US" sz="1600" dirty="0" smtClean="0">
-              <a:gradFill>
-                <a:gsLst>
-                  <a:gs pos="0">
-                    <a:schemeClr val="tx1"/>
-                  </a:gs>
-                  <a:gs pos="98000">
-                    <a:schemeClr val="tx1"/>
-                  </a:gs>
-                </a:gsLst>
-                <a:lin ang="5400000" scaled="0"/>
-              </a:gradFill>
-              <a:latin typeface="Arial" panose="020B0604020202020204" pitchFamily="34" charset="0"/>
-              <a:cs typeface="Arial" panose="020B0604020202020204" pitchFamily="34" charset="0"/>
-            </a:endParaRPr>
           </a:p>
         </p:txBody>
       </p:sp>
-      <mc:AlternateContent xmlns:mc="http://schemas.openxmlformats.org/markup-compatibility/2006">
-        <mc:Choice xmlns:we="http://schemas.microsoft.com/office/webextensions/webextension/2010/11" xmlns:pca="http://schemas.microsoft.com/office/powerpoint/2013/contentapp" Requires="we pca">
+      <mc:AlternateContent xmlns:mc="http://schemas.openxmlformats.org/markup-compatibility/2006" xmlns:we="http://schemas.microsoft.com/office/webextensions/webextension/2010/11" xmlns:pca="http://schemas.microsoft.com/office/powerpoint/2013/contentapp">
+        <mc:Choice Requires="we pca">
           <p:graphicFrame>
             <p:nvGraphicFramePr>
               <p:cNvPr id="7" name="Add-in 6" title="Code Presenter Pro"/>
@@ -10166,7 +10612,7 @@
             </a:graphic>
           </p:graphicFrame>
         </mc:Choice>
-        <mc:Fallback>
+        <mc:Fallback xmlns="">
           <p:pic>
             <p:nvPicPr>
               <p:cNvPr id="7" name="Add-in 6" title="Code Presenter Pro"/>
@@ -10193,8 +10639,8 @@
           </p:pic>
         </mc:Fallback>
       </mc:AlternateContent>
-      <mc:AlternateContent xmlns:mc="http://schemas.openxmlformats.org/markup-compatibility/2006">
-        <mc:Choice xmlns:we="http://schemas.microsoft.com/office/webextensions/webextension/2010/11" xmlns:pca="http://schemas.microsoft.com/office/powerpoint/2013/contentapp" Requires="we pca">
+      <mc:AlternateContent xmlns:mc="http://schemas.openxmlformats.org/markup-compatibility/2006" xmlns:we="http://schemas.microsoft.com/office/webextensions/webextension/2010/11" xmlns:pca="http://schemas.microsoft.com/office/powerpoint/2013/contentapp">
+        <mc:Choice Requires="we pca">
           <p:graphicFrame>
             <p:nvGraphicFramePr>
               <p:cNvPr id="8" name="Add-in 7" title="Code Presenter Pro"/>
@@ -10220,7 +10666,7 @@
             </a:graphic>
           </p:graphicFrame>
         </mc:Choice>
-        <mc:Fallback>
+        <mc:Fallback xmlns="">
           <p:pic>
             <p:nvPicPr>
               <p:cNvPr id="8" name="Add-in 7" title="Code Presenter Pro"/>
@@ -10257,6 +10703,13 @@
   <p:clrMapOvr>
     <a:masterClrMapping/>
   </p:clrMapOvr>
+  <p:timing>
+    <p:tnLst>
+      <p:par>
+        <p:cTn id="1" dur="indefinite" restart="never" nodeType="tmRoot"/>
+      </p:par>
+    </p:tnLst>
+  </p:timing>
 </p:sld>
 </file>
 
@@ -10977,6 +11430,13 @@
   <p:clrMapOvr>
     <a:masterClrMapping/>
   </p:clrMapOvr>
+  <p:timing>
+    <p:tnLst>
+      <p:par>
+        <p:cTn id="1" dur="indefinite" restart="never" nodeType="tmRoot"/>
+      </p:par>
+    </p:tnLst>
+  </p:timing>
 </p:sld>
 </file>
 
